--- a/図作成用パワーポイント/oseqg.pptx
+++ b/図作成用パワーポイント/oseqg.pptx
@@ -6,6 +6,7 @@
   </p:sldMasterIdLst>
   <p:sldIdLst>
     <p:sldId id="256" r:id="rId2"/>
+    <p:sldId id="257" r:id="rId3"/>
   </p:sldIdLst>
   <p:sldSz cx="12192000" cy="6858000"/>
   <p:notesSz cx="6858000" cy="9144000"/>
@@ -104,6 +105,11 @@
       </a:defRPr>
     </a:lvl9pPr>
   </p:defaultTextStyle>
+  <p:extLst>
+    <p:ext uri="{EFAFB233-063F-42B5-8137-9DF3F51BA10A}">
+      <p15:sldGuideLst xmlns:p15="http://schemas.microsoft.com/office/powerpoint/2012/main"/>
+    </p:ext>
+  </p:extLst>
 </p:presentation>
 </file>
 
@@ -238,7 +244,7 @@
           <a:p>
             <a:fld id="{1348099F-E4FB-4487-835D-CF6DC5E8C1A0}" type="datetimeFigureOut">
               <a:rPr kumimoji="1" lang="ja-JP" altLang="en-US" smtClean="0"/>
-              <a:t>2019/5/10</a:t>
+              <a:t>2020/2/19</a:t>
             </a:fld>
             <a:endParaRPr kumimoji="1" lang="ja-JP" altLang="en-US"/>
           </a:p>
@@ -440,7 +446,7 @@
           <a:p>
             <a:fld id="{1348099F-E4FB-4487-835D-CF6DC5E8C1A0}" type="datetimeFigureOut">
               <a:rPr kumimoji="1" lang="ja-JP" altLang="en-US" smtClean="0"/>
-              <a:t>2019/5/10</a:t>
+              <a:t>2020/2/19</a:t>
             </a:fld>
             <a:endParaRPr kumimoji="1" lang="ja-JP" altLang="en-US"/>
           </a:p>
@@ -652,7 +658,7 @@
           <a:p>
             <a:fld id="{1348099F-E4FB-4487-835D-CF6DC5E8C1A0}" type="datetimeFigureOut">
               <a:rPr kumimoji="1" lang="ja-JP" altLang="en-US" smtClean="0"/>
-              <a:t>2019/5/10</a:t>
+              <a:t>2020/2/19</a:t>
             </a:fld>
             <a:endParaRPr kumimoji="1" lang="ja-JP" altLang="en-US"/>
           </a:p>
@@ -854,7 +860,7 @@
           <a:p>
             <a:fld id="{1348099F-E4FB-4487-835D-CF6DC5E8C1A0}" type="datetimeFigureOut">
               <a:rPr kumimoji="1" lang="ja-JP" altLang="en-US" smtClean="0"/>
-              <a:t>2019/5/10</a:t>
+              <a:t>2020/2/19</a:t>
             </a:fld>
             <a:endParaRPr kumimoji="1" lang="ja-JP" altLang="en-US"/>
           </a:p>
@@ -1100,7 +1106,7 @@
           <a:p>
             <a:fld id="{1348099F-E4FB-4487-835D-CF6DC5E8C1A0}" type="datetimeFigureOut">
               <a:rPr kumimoji="1" lang="ja-JP" altLang="en-US" smtClean="0"/>
-              <a:t>2019/5/10</a:t>
+              <a:t>2020/2/19</a:t>
             </a:fld>
             <a:endParaRPr kumimoji="1" lang="ja-JP" altLang="en-US"/>
           </a:p>
@@ -1396,7 +1402,7 @@
           <a:p>
             <a:fld id="{1348099F-E4FB-4487-835D-CF6DC5E8C1A0}" type="datetimeFigureOut">
               <a:rPr kumimoji="1" lang="ja-JP" altLang="en-US" smtClean="0"/>
-              <a:t>2019/5/10</a:t>
+              <a:t>2020/2/19</a:t>
             </a:fld>
             <a:endParaRPr kumimoji="1" lang="ja-JP" altLang="en-US"/>
           </a:p>
@@ -1827,7 +1833,7 @@
           <a:p>
             <a:fld id="{1348099F-E4FB-4487-835D-CF6DC5E8C1A0}" type="datetimeFigureOut">
               <a:rPr kumimoji="1" lang="ja-JP" altLang="en-US" smtClean="0"/>
-              <a:t>2019/5/10</a:t>
+              <a:t>2020/2/19</a:t>
             </a:fld>
             <a:endParaRPr kumimoji="1" lang="ja-JP" altLang="en-US"/>
           </a:p>
@@ -1945,7 +1951,7 @@
           <a:p>
             <a:fld id="{1348099F-E4FB-4487-835D-CF6DC5E8C1A0}" type="datetimeFigureOut">
               <a:rPr kumimoji="1" lang="ja-JP" altLang="en-US" smtClean="0"/>
-              <a:t>2019/5/10</a:t>
+              <a:t>2020/2/19</a:t>
             </a:fld>
             <a:endParaRPr kumimoji="1" lang="ja-JP" altLang="en-US"/>
           </a:p>
@@ -2040,7 +2046,7 @@
           <a:p>
             <a:fld id="{1348099F-E4FB-4487-835D-CF6DC5E8C1A0}" type="datetimeFigureOut">
               <a:rPr kumimoji="1" lang="ja-JP" altLang="en-US" smtClean="0"/>
-              <a:t>2019/5/10</a:t>
+              <a:t>2020/2/19</a:t>
             </a:fld>
             <a:endParaRPr kumimoji="1" lang="ja-JP" altLang="en-US"/>
           </a:p>
@@ -2349,7 +2355,7 @@
           <a:p>
             <a:fld id="{1348099F-E4FB-4487-835D-CF6DC5E8C1A0}" type="datetimeFigureOut">
               <a:rPr kumimoji="1" lang="ja-JP" altLang="en-US" smtClean="0"/>
-              <a:t>2019/5/10</a:t>
+              <a:t>2020/2/19</a:t>
             </a:fld>
             <a:endParaRPr kumimoji="1" lang="ja-JP" altLang="en-US"/>
           </a:p>
@@ -2602,7 +2608,7 @@
           <a:p>
             <a:fld id="{1348099F-E4FB-4487-835D-CF6DC5E8C1A0}" type="datetimeFigureOut">
               <a:rPr kumimoji="1" lang="ja-JP" altLang="en-US" smtClean="0"/>
-              <a:t>2019/5/10</a:t>
+              <a:t>2020/2/19</a:t>
             </a:fld>
             <a:endParaRPr kumimoji="1" lang="ja-JP" altLang="en-US"/>
           </a:p>
@@ -2847,7 +2853,7 @@
           <a:p>
             <a:fld id="{1348099F-E4FB-4487-835D-CF6DC5E8C1A0}" type="datetimeFigureOut">
               <a:rPr kumimoji="1" lang="ja-JP" altLang="en-US" smtClean="0"/>
-              <a:t>2019/5/10</a:t>
+              <a:t>2020/2/19</a:t>
             </a:fld>
             <a:endParaRPr kumimoji="1" lang="ja-JP" altLang="en-US"/>
           </a:p>
@@ -3257,7 +3263,7 @@
           <p:cNvPr id="4" name="表 3">
             <a:extLst>
               <a:ext uri="{FF2B5EF4-FFF2-40B4-BE49-F238E27FC236}">
-                <a16:creationId xmlns="" xmlns:a16="http://schemas.microsoft.com/office/drawing/2014/main" id="{45157FB7-6C5E-4970-A5A3-900849F71EB9}"/>
+                <a16:creationId xmlns:a16="http://schemas.microsoft.com/office/drawing/2014/main" xmlns="" id="{45157FB7-6C5E-4970-A5A3-900849F71EB9}"/>
               </a:ext>
             </a:extLst>
           </p:cNvPr>
@@ -3267,7 +3273,7 @@
           <p:nvPr>
             <p:extLst>
               <p:ext uri="{D42A27DB-BD31-4B8C-83A1-F6EECF244321}">
-                <p14:modId xmlns:p14="http://schemas.microsoft.com/office/powerpoint/2010/main" val="266989076"/>
+                <p14:modId xmlns:p14="http://schemas.microsoft.com/office/powerpoint/2010/main" val="1252445687"/>
               </p:ext>
             </p:extLst>
           </p:nvPr>
@@ -3286,35 +3292,35 @@
                 <a:gridCol w="1771769">
                   <a:extLst>
                     <a:ext uri="{9D8B030D-6E8A-4147-A177-3AD203B41FA5}">
-                      <a16:colId xmlns="" xmlns:a16="http://schemas.microsoft.com/office/drawing/2014/main" val="1721781814"/>
+                      <a16:colId xmlns:a16="http://schemas.microsoft.com/office/drawing/2014/main" xmlns="" val="1721781814"/>
                     </a:ext>
                   </a:extLst>
                 </a:gridCol>
                 <a:gridCol w="1771769">
                   <a:extLst>
                     <a:ext uri="{9D8B030D-6E8A-4147-A177-3AD203B41FA5}">
-                      <a16:colId xmlns="" xmlns:a16="http://schemas.microsoft.com/office/drawing/2014/main" val="3462196748"/>
+                      <a16:colId xmlns:a16="http://schemas.microsoft.com/office/drawing/2014/main" xmlns="" val="3462196748"/>
                     </a:ext>
                   </a:extLst>
                 </a:gridCol>
                 <a:gridCol w="1771769">
                   <a:extLst>
                     <a:ext uri="{9D8B030D-6E8A-4147-A177-3AD203B41FA5}">
-                      <a16:colId xmlns="" xmlns:a16="http://schemas.microsoft.com/office/drawing/2014/main" val="1362521767"/>
+                      <a16:colId xmlns:a16="http://schemas.microsoft.com/office/drawing/2014/main" xmlns="" val="1362521767"/>
                     </a:ext>
                   </a:extLst>
                 </a:gridCol>
                 <a:gridCol w="1771769">
                   <a:extLst>
                     <a:ext uri="{9D8B030D-6E8A-4147-A177-3AD203B41FA5}">
-                      <a16:colId xmlns="" xmlns:a16="http://schemas.microsoft.com/office/drawing/2014/main" val="828108701"/>
+                      <a16:colId xmlns:a16="http://schemas.microsoft.com/office/drawing/2014/main" xmlns="" val="828108701"/>
                     </a:ext>
                   </a:extLst>
                 </a:gridCol>
                 <a:gridCol w="1771769">
                   <a:extLst>
                     <a:ext uri="{9D8B030D-6E8A-4147-A177-3AD203B41FA5}">
-                      <a16:colId xmlns="" xmlns:a16="http://schemas.microsoft.com/office/drawing/2014/main" val="3339064676"/>
+                      <a16:colId xmlns:a16="http://schemas.microsoft.com/office/drawing/2014/main" xmlns="" val="3339064676"/>
                     </a:ext>
                   </a:extLst>
                 </a:gridCol>
@@ -3343,11 +3349,14 @@
                     </a:p>
                   </a:txBody>
                   <a:tcPr marL="68580" marR="68580" marT="34290" marB="34290">
-                    <a:solidFill>
-                      <a:schemeClr val="bg1">
-                        <a:lumMod val="75000"/>
-                      </a:schemeClr>
-                    </a:solidFill>
+                    <a:pattFill prst="wdUpDiag">
+                      <a:fgClr>
+                        <a:schemeClr val="tx1"/>
+                      </a:fgClr>
+                      <a:bgClr>
+                        <a:schemeClr val="bg1"/>
+                      </a:bgClr>
+                    </a:pattFill>
                   </a:tcPr>
                 </a:tc>
                 <a:tc>
@@ -3373,11 +3382,7 @@
                     </a:p>
                   </a:txBody>
                   <a:tcPr marL="68580" marR="68580" marT="34290" marB="34290">
-                    <a:solidFill>
-                      <a:schemeClr val="bg1">
-                        <a:lumMod val="75000"/>
-                      </a:schemeClr>
-                    </a:solidFill>
+                    <a:pattFill prst="wdUpDiag"/>
                   </a:tcPr>
                 </a:tc>
                 <a:tc>
@@ -3392,7 +3397,7 @@
                 </a:tc>
                 <a:extLst>
                   <a:ext uri="{0D108BD9-81ED-4DB2-BD59-A6C34878D82A}">
-                    <a16:rowId xmlns="" xmlns:a16="http://schemas.microsoft.com/office/drawing/2014/main" val="1894216211"/>
+                    <a16:rowId xmlns:a16="http://schemas.microsoft.com/office/drawing/2014/main" xmlns="" val="1894216211"/>
                   </a:ext>
                 </a:extLst>
               </a:tr>
@@ -3405,7 +3410,7 @@
           <p:cNvPr id="5" name="左中かっこ 4">
             <a:extLst>
               <a:ext uri="{FF2B5EF4-FFF2-40B4-BE49-F238E27FC236}">
-                <a16:creationId xmlns="" xmlns:a16="http://schemas.microsoft.com/office/drawing/2014/main" id="{7484E61E-C510-4FF0-978A-471330A22C3C}"/>
+                <a16:creationId xmlns:a16="http://schemas.microsoft.com/office/drawing/2014/main" xmlns="" id="{7484E61E-C510-4FF0-978A-471330A22C3C}"/>
               </a:ext>
             </a:extLst>
           </p:cNvPr>
@@ -3457,14 +3462,14 @@
           </a:p>
         </p:txBody>
       </p:sp>
-      <mc:AlternateContent xmlns:mc="http://schemas.openxmlformats.org/markup-compatibility/2006">
-        <mc:Choice xmlns:a14="http://schemas.microsoft.com/office/drawing/2010/main" Requires="a14">
+      <mc:AlternateContent xmlns:mc="http://schemas.openxmlformats.org/markup-compatibility/2006" xmlns:a14="http://schemas.microsoft.com/office/drawing/2010/main">
+        <mc:Choice Requires="a14">
           <p:sp>
             <p:nvSpPr>
               <p:cNvPr id="6" name="テキスト ボックス 5">
                 <a:extLst>
                   <a:ext uri="{FF2B5EF4-FFF2-40B4-BE49-F238E27FC236}">
-                    <a16:creationId xmlns="" xmlns:a16="http://schemas.microsoft.com/office/drawing/2014/main" id="{6DAFFFD6-997E-4295-8337-371E646493AD}"/>
+                    <a16:creationId xmlns:a16="http://schemas.microsoft.com/office/drawing/2014/main" xmlns="" id="{6DAFFFD6-997E-4295-8337-371E646493AD}"/>
                   </a:ext>
                 </a:extLst>
               </p:cNvPr>
@@ -3572,7 +3577,7 @@
             </p:txBody>
           </p:sp>
         </mc:Choice>
-        <mc:Fallback>
+        <mc:Fallback xmlns="">
           <p:sp>
             <p:nvSpPr>
               <p:cNvPr id="6" name="テキスト ボックス 5">
@@ -3622,7 +3627,7 @@
           <p:cNvPr id="7" name="左中かっこ 6">
             <a:extLst>
               <a:ext uri="{FF2B5EF4-FFF2-40B4-BE49-F238E27FC236}">
-                <a16:creationId xmlns="" xmlns:a16="http://schemas.microsoft.com/office/drawing/2014/main" id="{7484E61E-C510-4FF0-978A-471330A22C3C}"/>
+                <a16:creationId xmlns:a16="http://schemas.microsoft.com/office/drawing/2014/main" xmlns="" id="{7484E61E-C510-4FF0-978A-471330A22C3C}"/>
               </a:ext>
             </a:extLst>
           </p:cNvPr>
@@ -3674,14 +3679,14 @@
           </a:p>
         </p:txBody>
       </p:sp>
-      <mc:AlternateContent xmlns:mc="http://schemas.openxmlformats.org/markup-compatibility/2006">
-        <mc:Choice xmlns:a14="http://schemas.microsoft.com/office/drawing/2010/main" Requires="a14">
+      <mc:AlternateContent xmlns:mc="http://schemas.openxmlformats.org/markup-compatibility/2006" xmlns:a14="http://schemas.microsoft.com/office/drawing/2010/main">
+        <mc:Choice Requires="a14">
           <p:sp>
             <p:nvSpPr>
               <p:cNvPr id="8" name="テキスト ボックス 7">
                 <a:extLst>
                   <a:ext uri="{FF2B5EF4-FFF2-40B4-BE49-F238E27FC236}">
-                    <a16:creationId xmlns="" xmlns:a16="http://schemas.microsoft.com/office/drawing/2014/main" id="{7FF99950-E7CA-404A-865F-5BBFC675F700}"/>
+                    <a16:creationId xmlns:a16="http://schemas.microsoft.com/office/drawing/2014/main" xmlns="" id="{7FF99950-E7CA-404A-865F-5BBFC675F700}"/>
                   </a:ext>
                 </a:extLst>
               </p:cNvPr>
@@ -3731,7 +3736,7 @@
             </p:txBody>
           </p:sp>
         </mc:Choice>
-        <mc:Fallback>
+        <mc:Fallback xmlns="">
           <p:sp>
             <p:nvSpPr>
               <p:cNvPr id="8" name="テキスト ボックス 7">
@@ -3780,6 +3785,556 @@
     <p:extLst>
       <p:ext uri="{BB962C8B-B14F-4D97-AF65-F5344CB8AC3E}">
         <p14:creationId xmlns:p14="http://schemas.microsoft.com/office/powerpoint/2010/main" val="3451274898"/>
+      </p:ext>
+    </p:extLst>
+  </p:cSld>
+  <p:clrMapOvr>
+    <a:masterClrMapping/>
+  </p:clrMapOvr>
+</p:sld>
+</file>
+
+<file path=ppt/slides/slide2.xml><?xml version="1.0" encoding="utf-8"?>
+<p:sld xmlns:a="http://schemas.openxmlformats.org/drawingml/2006/main" xmlns:r="http://schemas.openxmlformats.org/officeDocument/2006/relationships" xmlns:p="http://schemas.openxmlformats.org/presentationml/2006/main">
+  <p:cSld>
+    <p:spTree>
+      <p:nvGrpSpPr>
+        <p:cNvPr id="1" name=""/>
+        <p:cNvGrpSpPr/>
+        <p:nvPr/>
+      </p:nvGrpSpPr>
+      <p:grpSpPr>
+        <a:xfrm>
+          <a:off x="0" y="0"/>
+          <a:ext cx="0" cy="0"/>
+          <a:chOff x="0" y="0"/>
+          <a:chExt cx="0" cy="0"/>
+        </a:xfrm>
+      </p:grpSpPr>
+      <p:graphicFrame>
+        <p:nvGraphicFramePr>
+          <p:cNvPr id="4" name="表 3">
+            <a:extLst>
+              <a:ext uri="{FF2B5EF4-FFF2-40B4-BE49-F238E27FC236}">
+                <a16:creationId xmlns:a16="http://schemas.microsoft.com/office/drawing/2014/main" xmlns="" id="{45157FB7-6C5E-4970-A5A3-900849F71EB9}"/>
+              </a:ext>
+            </a:extLst>
+          </p:cNvPr>
+          <p:cNvGraphicFramePr>
+            <a:graphicFrameLocks noGrp="1"/>
+          </p:cNvGraphicFramePr>
+          <p:nvPr>
+            <p:extLst/>
+          </p:nvPr>
+        </p:nvGraphicFramePr>
+        <p:xfrm>
+          <a:off x="2712151" y="1680593"/>
+          <a:ext cx="8858845" cy="4090737"/>
+        </p:xfrm>
+        <a:graphic>
+          <a:graphicData uri="http://schemas.openxmlformats.org/drawingml/2006/table">
+            <a:tbl>
+              <a:tblPr firstRow="1" bandRow="1">
+                <a:tableStyleId>{5940675A-B579-460E-94D1-54222C63F5DA}</a:tableStyleId>
+              </a:tblPr>
+              <a:tblGrid>
+                <a:gridCol w="1771769">
+                  <a:extLst>
+                    <a:ext uri="{9D8B030D-6E8A-4147-A177-3AD203B41FA5}">
+                      <a16:colId xmlns:a16="http://schemas.microsoft.com/office/drawing/2014/main" xmlns="" val="1721781814"/>
+                    </a:ext>
+                  </a:extLst>
+                </a:gridCol>
+                <a:gridCol w="1771769">
+                  <a:extLst>
+                    <a:ext uri="{9D8B030D-6E8A-4147-A177-3AD203B41FA5}">
+                      <a16:colId xmlns:a16="http://schemas.microsoft.com/office/drawing/2014/main" xmlns="" val="3462196748"/>
+                    </a:ext>
+                  </a:extLst>
+                </a:gridCol>
+                <a:gridCol w="1771769">
+                  <a:extLst>
+                    <a:ext uri="{9D8B030D-6E8A-4147-A177-3AD203B41FA5}">
+                      <a16:colId xmlns:a16="http://schemas.microsoft.com/office/drawing/2014/main" xmlns="" val="1362521767"/>
+                    </a:ext>
+                  </a:extLst>
+                </a:gridCol>
+                <a:gridCol w="1771769">
+                  <a:extLst>
+                    <a:ext uri="{9D8B030D-6E8A-4147-A177-3AD203B41FA5}">
+                      <a16:colId xmlns:a16="http://schemas.microsoft.com/office/drawing/2014/main" xmlns="" val="828108701"/>
+                    </a:ext>
+                  </a:extLst>
+                </a:gridCol>
+                <a:gridCol w="1771769">
+                  <a:extLst>
+                    <a:ext uri="{9D8B030D-6E8A-4147-A177-3AD203B41FA5}">
+                      <a16:colId xmlns:a16="http://schemas.microsoft.com/office/drawing/2014/main" xmlns="" val="3339064676"/>
+                    </a:ext>
+                  </a:extLst>
+                </a:gridCol>
+              </a:tblGrid>
+              <a:tr h="4090737">
+                <a:tc>
+                  <a:txBody>
+                    <a:bodyPr/>
+                    <a:lstStyle/>
+                    <a:p>
+                      <a:endParaRPr kumimoji="1" lang="ja-JP" altLang="en-US" sz="1400" dirty="0"/>
+                    </a:p>
+                  </a:txBody>
+                  <a:tcPr marL="68580" marR="68580" marT="34290" marB="34290">
+                    <a:solidFill>
+                      <a:schemeClr val="tx1"/>
+                    </a:solidFill>
+                  </a:tcPr>
+                </a:tc>
+                <a:tc>
+                  <a:txBody>
+                    <a:bodyPr/>
+                    <a:lstStyle/>
+                    <a:p>
+                      <a:endParaRPr kumimoji="1" lang="ja-JP" altLang="en-US" sz="1400" dirty="0"/>
+                    </a:p>
+                  </a:txBody>
+                  <a:tcPr marL="68580" marR="68580" marT="34290" marB="34290">
+                    <a:solidFill>
+                      <a:schemeClr val="bg1">
+                        <a:lumMod val="75000"/>
+                      </a:schemeClr>
+                    </a:solidFill>
+                  </a:tcPr>
+                </a:tc>
+                <a:tc>
+                  <a:txBody>
+                    <a:bodyPr/>
+                    <a:lstStyle/>
+                    <a:p>
+                      <a:endParaRPr kumimoji="1" lang="ja-JP" altLang="en-US" sz="1400" dirty="0"/>
+                    </a:p>
+                  </a:txBody>
+                  <a:tcPr marL="68580" marR="68580" marT="34290" marB="34290">
+                    <a:solidFill>
+                      <a:schemeClr val="tx1"/>
+                    </a:solidFill>
+                  </a:tcPr>
+                </a:tc>
+                <a:tc>
+                  <a:txBody>
+                    <a:bodyPr/>
+                    <a:lstStyle/>
+                    <a:p>
+                      <a:endParaRPr kumimoji="1" lang="ja-JP" altLang="en-US" sz="1400" dirty="0"/>
+                    </a:p>
+                  </a:txBody>
+                  <a:tcPr marL="68580" marR="68580" marT="34290" marB="34290">
+                    <a:solidFill>
+                      <a:schemeClr val="bg1">
+                        <a:lumMod val="75000"/>
+                      </a:schemeClr>
+                    </a:solidFill>
+                  </a:tcPr>
+                </a:tc>
+                <a:tc>
+                  <a:txBody>
+                    <a:bodyPr/>
+                    <a:lstStyle/>
+                    <a:p>
+                      <a:endParaRPr kumimoji="1" lang="ja-JP" altLang="en-US" sz="1400" dirty="0"/>
+                    </a:p>
+                  </a:txBody>
+                  <a:tcPr marL="68580" marR="68580" marT="34290" marB="34290"/>
+                </a:tc>
+                <a:extLst>
+                  <a:ext uri="{0D108BD9-81ED-4DB2-BD59-A6C34878D82A}">
+                    <a16:rowId xmlns:a16="http://schemas.microsoft.com/office/drawing/2014/main" xmlns="" val="1894216211"/>
+                  </a:ext>
+                </a:extLst>
+              </a:tr>
+            </a:tbl>
+          </a:graphicData>
+        </a:graphic>
+      </p:graphicFrame>
+      <p:sp>
+        <p:nvSpPr>
+          <p:cNvPr id="5" name="左中かっこ 4">
+            <a:extLst>
+              <a:ext uri="{FF2B5EF4-FFF2-40B4-BE49-F238E27FC236}">
+                <a16:creationId xmlns:a16="http://schemas.microsoft.com/office/drawing/2014/main" xmlns="" id="{7484E61E-C510-4FF0-978A-471330A22C3C}"/>
+              </a:ext>
+            </a:extLst>
+          </p:cNvPr>
+          <p:cNvSpPr/>
+          <p:nvPr/>
+        </p:nvSpPr>
+        <p:spPr>
+          <a:xfrm>
+            <a:off x="2126884" y="1680593"/>
+            <a:ext cx="512763" cy="4090737"/>
+          </a:xfrm>
+          <a:prstGeom prst="leftBrace">
+            <a:avLst>
+              <a:gd name="adj1" fmla="val 10925"/>
+              <a:gd name="adj2" fmla="val 50000"/>
+            </a:avLst>
+          </a:prstGeom>
+          <a:effectLst/>
+          <a:scene3d>
+            <a:camera prst="orthographicFront">
+              <a:rot lat="0" lon="0" rev="0"/>
+            </a:camera>
+            <a:lightRig rig="twoPt" dir="t">
+              <a:rot lat="0" lon="0" rev="4800000"/>
+            </a:lightRig>
+          </a:scene3d>
+          <a:sp3d prstMaterial="matte"/>
+        </p:spPr>
+        <p:style>
+          <a:lnRef idx="3">
+            <a:schemeClr val="dk1"/>
+          </a:lnRef>
+          <a:fillRef idx="0">
+            <a:schemeClr val="dk1"/>
+          </a:fillRef>
+          <a:effectRef idx="2">
+            <a:schemeClr val="dk1"/>
+          </a:effectRef>
+          <a:fontRef idx="minor">
+            <a:schemeClr val="tx1"/>
+          </a:fontRef>
+        </p:style>
+        <p:txBody>
+          <a:bodyPr rtlCol="0" anchor="ctr"/>
+          <a:lstStyle/>
+          <a:p>
+            <a:pPr algn="ctr"/>
+            <a:endParaRPr lang="ja-JP" altLang="en-US" sz="1350"/>
+          </a:p>
+        </p:txBody>
+      </p:sp>
+      <mc:AlternateContent xmlns:mc="http://schemas.openxmlformats.org/markup-compatibility/2006" xmlns:a14="http://schemas.microsoft.com/office/drawing/2010/main">
+        <mc:Choice Requires="a14">
+          <p:sp>
+            <p:nvSpPr>
+              <p:cNvPr id="6" name="テキスト ボックス 5">
+                <a:extLst>
+                  <a:ext uri="{FF2B5EF4-FFF2-40B4-BE49-F238E27FC236}">
+                    <a16:creationId xmlns:a16="http://schemas.microsoft.com/office/drawing/2014/main" xmlns="" id="{6DAFFFD6-997E-4295-8337-371E646493AD}"/>
+                  </a:ext>
+                </a:extLst>
+              </p:cNvPr>
+              <p:cNvSpPr txBox="1"/>
+              <p:nvPr/>
+            </p:nvSpPr>
+            <p:spPr>
+              <a:xfrm>
+                <a:off x="0" y="3372915"/>
+                <a:ext cx="2126884" cy="706091"/>
+              </a:xfrm>
+              <a:prstGeom prst="rect">
+                <a:avLst/>
+              </a:prstGeom>
+              <a:noFill/>
+            </p:spPr>
+            <p:txBody>
+              <a:bodyPr wrap="square" rtlCol="0">
+                <a:spAutoFit/>
+              </a:bodyPr>
+              <a:lstStyle/>
+              <a:p>
+                <a14:m>
+                  <m:oMath xmlns:m="http://schemas.openxmlformats.org/officeDocument/2006/math">
+                    <m:r>
+                      <a:rPr lang="en-US" altLang="ja-JP" sz="4000" i="1">
+                        <a:latin typeface="Cambria Math" panose="02040503050406030204" pitchFamily="18" charset="0"/>
+                      </a:rPr>
+                      <m:t>8</m:t>
+                    </m:r>
+                    <m:r>
+                      <a:rPr lang="en-US" altLang="ja-JP" sz="4000" i="1">
+                        <a:latin typeface="Cambria Math" panose="02040503050406030204" pitchFamily="18" charset="0"/>
+                      </a:rPr>
+                      <m:t>𝑠</m:t>
+                    </m:r>
+                    <m:sSup>
+                      <m:sSupPr>
+                        <m:ctrlPr>
+                          <a:rPr lang="en-US" altLang="ja-JP" sz="4000" i="1">
+                            <a:latin typeface="Cambria Math" panose="02040503050406030204" pitchFamily="18" charset="0"/>
+                          </a:rPr>
+                        </m:ctrlPr>
+                      </m:sSupPr>
+                      <m:e>
+                        <m:r>
+                          <a:rPr lang="en-US" altLang="ja-JP" sz="4000" i="1">
+                            <a:latin typeface="Cambria Math" panose="02040503050406030204" pitchFamily="18" charset="0"/>
+                          </a:rPr>
+                          <m:t>𝑡</m:t>
+                        </m:r>
+                      </m:e>
+                      <m:sup>
+                        <m:r>
+                          <a:rPr lang="en-US" altLang="ja-JP" sz="4000" i="1">
+                            <a:latin typeface="Cambria Math" panose="02040503050406030204" pitchFamily="18" charset="0"/>
+                          </a:rPr>
+                          <m:t>2</m:t>
+                        </m:r>
+                      </m:sup>
+                    </m:sSup>
+                  </m:oMath>
+                </a14:m>
+                <a:r>
+                  <a:rPr lang="en-US" altLang="ja-JP" sz="3600" dirty="0"/>
+                  <a:t>+</a:t>
+                </a:r>
+                <a14:m>
+                  <m:oMath xmlns:m="http://schemas.openxmlformats.org/officeDocument/2006/math">
+                    <m:r>
+                      <a:rPr lang="en-US" altLang="ja-JP" sz="3600" i="1">
+                        <a:latin typeface="Cambria Math" panose="02040503050406030204" pitchFamily="18" charset="0"/>
+                      </a:rPr>
+                      <m:t>8</m:t>
+                    </m:r>
+                    <m:sSup>
+                      <m:sSupPr>
+                        <m:ctrlPr>
+                          <a:rPr lang="en-US" altLang="ja-JP" sz="3600" i="1">
+                            <a:latin typeface="Cambria Math" panose="02040503050406030204" pitchFamily="18" charset="0"/>
+                          </a:rPr>
+                        </m:ctrlPr>
+                      </m:sSupPr>
+                      <m:e>
+                        <m:r>
+                          <a:rPr lang="en-US" altLang="ja-JP" sz="3600" i="1">
+                            <a:latin typeface="Cambria Math" panose="02040503050406030204" pitchFamily="18" charset="0"/>
+                          </a:rPr>
+                          <m:t>𝑡</m:t>
+                        </m:r>
+                      </m:e>
+                      <m:sup>
+                        <m:r>
+                          <a:rPr lang="en-US" altLang="ja-JP" sz="3600" i="1">
+                            <a:latin typeface="Cambria Math" panose="02040503050406030204" pitchFamily="18" charset="0"/>
+                          </a:rPr>
+                          <m:t>2</m:t>
+                        </m:r>
+                      </m:sup>
+                    </m:sSup>
+                  </m:oMath>
+                </a14:m>
+                <a:endParaRPr lang="en-US" altLang="ja-JP" sz="3200" dirty="0"/>
+              </a:p>
+            </p:txBody>
+          </p:sp>
+        </mc:Choice>
+        <mc:Fallback xmlns="">
+          <p:sp>
+            <p:nvSpPr>
+              <p:cNvPr id="6" name="テキスト ボックス 5">
+                <a:extLst>
+                  <a:ext uri="{FF2B5EF4-FFF2-40B4-BE49-F238E27FC236}">
+                    <a16:creationId xmlns="" xmlns:a16="http://schemas.microsoft.com/office/drawing/2014/main" xmlns:a14="http://schemas.microsoft.com/office/drawing/2010/main" id="{6DAFFFD6-997E-4295-8337-371E646493AD}"/>
+                  </a:ext>
+                </a:extLst>
+              </p:cNvPr>
+              <p:cNvSpPr txBox="1">
+                <a:spLocks noRot="1" noChangeAspect="1" noMove="1" noResize="1" noEditPoints="1" noAdjustHandles="1" noChangeArrowheads="1" noChangeShapeType="1" noTextEdit="1"/>
+              </p:cNvSpPr>
+              <p:nvPr/>
+            </p:nvSpPr>
+            <p:spPr>
+              <a:xfrm>
+                <a:off x="0" y="3372915"/>
+                <a:ext cx="2126884" cy="706091"/>
+              </a:xfrm>
+              <a:prstGeom prst="rect">
+                <a:avLst/>
+              </a:prstGeom>
+              <a:blipFill rotWithShape="0">
+                <a:blip r:embed="rId2"/>
+                <a:stretch>
+                  <a:fillRect t="-4310" b="-31897"/>
+                </a:stretch>
+              </a:blipFill>
+            </p:spPr>
+            <p:txBody>
+              <a:bodyPr/>
+              <a:lstStyle/>
+              <a:p>
+                <a:r>
+                  <a:rPr lang="ja-JP" altLang="en-US">
+                    <a:noFill/>
+                  </a:rPr>
+                  <a:t> </a:t>
+                </a:r>
+              </a:p>
+            </p:txBody>
+          </p:sp>
+        </mc:Fallback>
+      </mc:AlternateContent>
+      <p:sp>
+        <p:nvSpPr>
+          <p:cNvPr id="7" name="左中かっこ 6">
+            <a:extLst>
+              <a:ext uri="{FF2B5EF4-FFF2-40B4-BE49-F238E27FC236}">
+                <a16:creationId xmlns:a16="http://schemas.microsoft.com/office/drawing/2014/main" xmlns="" id="{7484E61E-C510-4FF0-978A-471330A22C3C}"/>
+              </a:ext>
+            </a:extLst>
+          </p:cNvPr>
+          <p:cNvSpPr/>
+          <p:nvPr/>
+        </p:nvSpPr>
+        <p:spPr>
+          <a:xfrm rot="5400000">
+            <a:off x="3440496" y="510102"/>
+            <a:ext cx="320032" cy="1776722"/>
+          </a:xfrm>
+          <a:prstGeom prst="leftBrace">
+            <a:avLst>
+              <a:gd name="adj1" fmla="val 10925"/>
+              <a:gd name="adj2" fmla="val 50000"/>
+            </a:avLst>
+          </a:prstGeom>
+          <a:effectLst/>
+          <a:scene3d>
+            <a:camera prst="orthographicFront">
+              <a:rot lat="0" lon="0" rev="0"/>
+            </a:camera>
+            <a:lightRig rig="twoPt" dir="t">
+              <a:rot lat="0" lon="0" rev="4800000"/>
+            </a:lightRig>
+          </a:scene3d>
+          <a:sp3d prstMaterial="matte"/>
+        </p:spPr>
+        <p:style>
+          <a:lnRef idx="3">
+            <a:schemeClr val="dk1"/>
+          </a:lnRef>
+          <a:fillRef idx="0">
+            <a:schemeClr val="dk1"/>
+          </a:fillRef>
+          <a:effectRef idx="2">
+            <a:schemeClr val="dk1"/>
+          </a:effectRef>
+          <a:fontRef idx="minor">
+            <a:schemeClr val="tx1"/>
+          </a:fontRef>
+        </p:style>
+        <p:txBody>
+          <a:bodyPr rtlCol="0" anchor="ctr"/>
+          <a:lstStyle/>
+          <a:p>
+            <a:pPr algn="ctr"/>
+            <a:endParaRPr lang="ja-JP" altLang="en-US" sz="1350"/>
+          </a:p>
+        </p:txBody>
+      </p:sp>
+      <mc:AlternateContent xmlns:mc="http://schemas.openxmlformats.org/markup-compatibility/2006" xmlns:a14="http://schemas.microsoft.com/office/drawing/2010/main">
+        <mc:Choice Requires="a14">
+          <p:sp>
+            <p:nvSpPr>
+              <p:cNvPr id="8" name="テキスト ボックス 7">
+                <a:extLst>
+                  <a:ext uri="{FF2B5EF4-FFF2-40B4-BE49-F238E27FC236}">
+                    <a16:creationId xmlns:a16="http://schemas.microsoft.com/office/drawing/2014/main" xmlns="" id="{7FF99950-E7CA-404A-865F-5BBFC675F700}"/>
+                  </a:ext>
+                </a:extLst>
+              </p:cNvPr>
+              <p:cNvSpPr txBox="1"/>
+              <p:nvPr/>
+            </p:nvSpPr>
+            <p:spPr>
+              <a:xfrm>
+                <a:off x="2804413" y="340455"/>
+                <a:ext cx="1592197" cy="830997"/>
+              </a:xfrm>
+              <a:prstGeom prst="rect">
+                <a:avLst/>
+              </a:prstGeom>
+              <a:noFill/>
+            </p:spPr>
+            <p:txBody>
+              <a:bodyPr wrap="square" rtlCol="0">
+                <a:spAutoFit/>
+              </a:bodyPr>
+              <a:lstStyle/>
+              <a:p>
+                <a:pPr/>
+                <a14:m>
+                  <m:oMathPara xmlns:m="http://schemas.openxmlformats.org/officeDocument/2006/math">
+                    <m:oMathParaPr>
+                      <m:jc m:val="centerGroup"/>
+                    </m:oMathParaPr>
+                    <m:oMath xmlns:m="http://schemas.openxmlformats.org/officeDocument/2006/math">
+                      <m:r>
+                        <a:rPr lang="en-US" altLang="ja-JP" sz="4800" i="1">
+                          <a:latin typeface="Cambria Math" panose="02040503050406030204" pitchFamily="18" charset="0"/>
+                        </a:rPr>
+                        <m:t>2</m:t>
+                      </m:r>
+                      <m:r>
+                        <a:rPr lang="en-US" altLang="ja-JP" sz="4800" i="1">
+                          <a:latin typeface="Cambria Math" panose="02040503050406030204" pitchFamily="18" charset="0"/>
+                        </a:rPr>
+                        <m:t>𝑡</m:t>
+                      </m:r>
+                    </m:oMath>
+                  </m:oMathPara>
+                </a14:m>
+                <a:endParaRPr lang="en-US" altLang="ja-JP" sz="4800" dirty="0"/>
+              </a:p>
+            </p:txBody>
+          </p:sp>
+        </mc:Choice>
+        <mc:Fallback xmlns="">
+          <p:sp>
+            <p:nvSpPr>
+              <p:cNvPr id="8" name="テキスト ボックス 7">
+                <a:extLst>
+                  <a:ext uri="{FF2B5EF4-FFF2-40B4-BE49-F238E27FC236}">
+                    <a16:creationId xmlns="" xmlns:a16="http://schemas.microsoft.com/office/drawing/2014/main" xmlns:a14="http://schemas.microsoft.com/office/drawing/2010/main" id="{7FF99950-E7CA-404A-865F-5BBFC675F700}"/>
+                  </a:ext>
+                </a:extLst>
+              </p:cNvPr>
+              <p:cNvSpPr txBox="1">
+                <a:spLocks noRot="1" noChangeAspect="1" noMove="1" noResize="1" noEditPoints="1" noAdjustHandles="1" noChangeArrowheads="1" noChangeShapeType="1" noTextEdit="1"/>
+              </p:cNvSpPr>
+              <p:nvPr/>
+            </p:nvSpPr>
+            <p:spPr>
+              <a:xfrm>
+                <a:off x="2804413" y="340455"/>
+                <a:ext cx="1592197" cy="830997"/>
+              </a:xfrm>
+              <a:prstGeom prst="rect">
+                <a:avLst/>
+              </a:prstGeom>
+              <a:blipFill rotWithShape="0">
+                <a:blip r:embed="rId3"/>
+                <a:stretch>
+                  <a:fillRect/>
+                </a:stretch>
+              </a:blipFill>
+            </p:spPr>
+            <p:txBody>
+              <a:bodyPr/>
+              <a:lstStyle/>
+              <a:p>
+                <a:r>
+                  <a:rPr lang="ja-JP" altLang="en-US">
+                    <a:noFill/>
+                  </a:rPr>
+                  <a:t> </a:t>
+                </a:r>
+              </a:p>
+            </p:txBody>
+          </p:sp>
+        </mc:Fallback>
+      </mc:AlternateContent>
+    </p:spTree>
+    <p:extLst>
+      <p:ext uri="{BB962C8B-B14F-4D97-AF65-F5344CB8AC3E}">
+        <p14:creationId xmlns:p14="http://schemas.microsoft.com/office/powerpoint/2010/main" val="2949060744"/>
       </p:ext>
     </p:extLst>
   </p:cSld>
